--- a/notes/Fe-NAT.pptx
+++ b/notes/Fe-NAT.pptx
@@ -6999,9 +6999,9 @@
           <p:nvPr/>
         </p:nvCxnSpPr>
         <p:spPr>
-          <a:xfrm flipV="1">
-            <a:off x="116840" y="1818005"/>
-            <a:ext cx="8589645" cy="1270000"/>
+          <a:xfrm>
+            <a:off x="3665855" y="1869440"/>
+            <a:ext cx="8413115" cy="6350"/>
           </a:xfrm>
           <a:prstGeom prst="line">
             <a:avLst/>
@@ -7078,7 +7078,7 @@
         </p:nvSpPr>
         <p:spPr>
           <a:xfrm>
-            <a:off x="8589645" y="2472690"/>
+            <a:off x="8601710" y="2087245"/>
             <a:ext cx="3477260" cy="956310"/>
           </a:xfrm>
           <a:prstGeom prst="rect">

--- a/notes/Fe-NAT.pptx
+++ b/notes/Fe-NAT.pptx
@@ -6,7 +6,7 @@
     <p:sldMasterId id="2147483660" r:id="rId3"/>
   </p:sldMasterIdLst>
   <p:notesMasterIdLst>
-    <p:notesMasterId r:id="rId13"/>
+    <p:notesMasterId r:id="rId9"/>
   </p:notesMasterIdLst>
   <p:sldIdLst>
     <p:sldId id="256" r:id="rId4"/>
@@ -14,10 +14,10 @@
     <p:sldId id="260" r:id="rId6"/>
     <p:sldId id="261" r:id="rId7"/>
     <p:sldId id="263" r:id="rId8"/>
-    <p:sldId id="265" r:id="rId9"/>
-    <p:sldId id="264" r:id="rId10"/>
-    <p:sldId id="266" r:id="rId11"/>
-    <p:sldId id="267" r:id="rId12"/>
+    <p:sldId id="265" r:id="rId10"/>
+    <p:sldId id="264" r:id="rId11"/>
+    <p:sldId id="266" r:id="rId12"/>
+    <p:sldId id="267" r:id="rId13"/>
   </p:sldIdLst>
   <p:sldSz cx="12192000" cy="6858000"/>
   <p:notesSz cx="6858000" cy="9144000"/>
@@ -467,6 +467,54 @@
     </a:lvl9pPr>
   </p:notesStyle>
 </p:notesMaster>
+</file>
+
+<file path=ppt/notesSlides/notesSlide1.xml><?xml version="1.0" encoding="utf-8"?>
+<p:notes xmlns:a="http://schemas.openxmlformats.org/drawingml/2006/main" xmlns:r="http://schemas.openxmlformats.org/officeDocument/2006/relationships" xmlns:p="http://schemas.openxmlformats.org/presentationml/2006/main">
+  <p:cSld>
+    <p:spTree>
+      <p:nvGrpSpPr>
+        <p:cNvPr id="1" name=""/>
+        <p:cNvGrpSpPr/>
+        <p:nvPr/>
+      </p:nvGrpSpPr>
+      <p:grpSpPr/>
+      <p:sp>
+        <p:nvSpPr>
+          <p:cNvPr id="2" name="幻灯片图像占位符 1"/>
+          <p:cNvSpPr>
+            <a:spLocks noGrp="1"/>
+          </p:cNvSpPr>
+          <p:nvPr>
+            <p:ph type="sldImg" idx="2"/>
+          </p:nvPr>
+        </p:nvSpPr>
+        <p:spPr/>
+      </p:sp>
+      <p:sp>
+        <p:nvSpPr>
+          <p:cNvPr id="3" name="文本占位符 2"/>
+          <p:cNvSpPr>
+            <a:spLocks noGrp="1"/>
+          </p:cNvSpPr>
+          <p:nvPr>
+            <p:ph type="body" idx="3"/>
+          </p:nvPr>
+        </p:nvSpPr>
+        <p:spPr/>
+        <p:txBody>
+          <a:bodyPr/>
+          <a:p>
+            <a:endParaRPr lang="zh-CN" altLang="en-US"/>
+          </a:p>
+        </p:txBody>
+      </p:sp>
+    </p:spTree>
+  </p:cSld>
+  <p:clrMapOvr>
+    <a:masterClrMapping/>
+  </p:clrMapOvr>
+</p:notes>
 </file>
 
 <file path=ppt/slideLayouts/slideLayout1.xml><?xml version="1.0" encoding="utf-8"?>
@@ -8057,7 +8105,7 @@
       </p:sp>
       <p:graphicFrame>
         <p:nvGraphicFramePr>
-          <p:cNvPr id="21" name="对象 20"/>
+          <p:cNvPr id="6" name="对象 5"/>
           <p:cNvGraphicFramePr>
             <a:graphicFrameLocks noChangeAspect="1"/>
           </p:cNvGraphicFramePr>
@@ -8068,14 +8116,14 @@
           </p:nvPr>
         </p:nvGraphicFramePr>
         <p:xfrm>
-          <a:off x="8411210" y="951230"/>
-          <a:ext cx="3774440" cy="5567680"/>
+          <a:off x="8420100" y="941070"/>
+          <a:ext cx="3783965" cy="5581650"/>
         </p:xfrm>
         <a:graphic>
           <a:graphicData uri="http://schemas.openxmlformats.org/presentationml/2006/ole">
             <mc:AlternateContent xmlns:mc="http://schemas.openxmlformats.org/markup-compatibility/2006">
               <mc:Choice xmlns:v="urn:schemas-microsoft-com:vml" Requires="v">
-                <p:oleObj spid="_x0000_s22" name="" r:id="rId9" imgW="2719705" imgH="4012565" progId="ChemDraw.Document.6.0">
+                <p:oleObj spid="_x0000_s8" name="" r:id="rId9" imgW="2719705" imgH="4012565" progId="ChemDraw.Document.6.0">
                   <p:embed/>
                 </p:oleObj>
               </mc:Choice>
@@ -8084,7 +8132,7 @@
                   <p:embed/>
                   <p:pic>
                     <p:nvPicPr>
-                      <p:cNvPr id="0" name="图片 21"/>
+                      <p:cNvPr id="0" name="图片 7"/>
                       <p:cNvPicPr/>
                       <p:nvPr/>
                     </p:nvPicPr>
@@ -8096,8 +8144,8 @@
                     </p:blipFill>
                     <p:spPr>
                       <a:xfrm>
-                        <a:off x="8411210" y="951230"/>
-                        <a:ext cx="3774440" cy="5567680"/>
+                        <a:off x="8420100" y="941070"/>
+                        <a:ext cx="3783965" cy="5581650"/>
                       </a:xfrm>
                       <a:prstGeom prst="rect">
                         <a:avLst/>
@@ -8651,68 +8699,13 @@
       </p:graphicFrame>
       <p:graphicFrame>
         <p:nvGraphicFramePr>
-          <p:cNvPr id="12" name="对象 11"/>
-          <p:cNvGraphicFramePr>
-            <a:graphicFrameLocks noChangeAspect="1"/>
-          </p:cNvGraphicFramePr>
-          <p:nvPr>
-            <p:custDataLst>
-              <p:tags r:id="rId10"/>
-            </p:custDataLst>
-          </p:nvPr>
-        </p:nvGraphicFramePr>
-        <p:xfrm>
-          <a:off x="10158095" y="2383155"/>
-          <a:ext cx="922142" cy="1440000"/>
-        </p:xfrm>
-        <a:graphic>
-          <a:graphicData uri="http://schemas.openxmlformats.org/presentationml/2006/ole">
-            <mc:AlternateContent xmlns:mc="http://schemas.openxmlformats.org/markup-compatibility/2006">
-              <mc:Choice xmlns:v="urn:schemas-microsoft-com:vml" Requires="v">
-                <p:oleObj spid="_x0000_s13" name="" r:id="rId11" imgW="861695" imgH="1339850" progId="ChemDraw.Document.6.0">
-                  <p:embed/>
-                </p:oleObj>
-              </mc:Choice>
-              <mc:Fallback>
-                <p:oleObj name="" r:id="rId11" imgW="861695" imgH="1339850" progId="ChemDraw.Document.6.0">
-                  <p:embed/>
-                  <p:pic>
-                    <p:nvPicPr>
-                      <p:cNvPr id="0" name="图片 12"/>
-                      <p:cNvPicPr/>
-                      <p:nvPr/>
-                    </p:nvPicPr>
-                    <p:blipFill>
-                      <a:blip r:embed="rId12"/>
-                      <a:stretch>
-                        <a:fillRect/>
-                      </a:stretch>
-                    </p:blipFill>
-                    <p:spPr>
-                      <a:xfrm>
-                        <a:off x="10158095" y="2383155"/>
-                        <a:ext cx="922142" cy="1440000"/>
-                      </a:xfrm>
-                      <a:prstGeom prst="rect">
-                        <a:avLst/>
-                      </a:prstGeom>
-                    </p:spPr>
-                  </p:pic>
-                </p:oleObj>
-              </mc:Fallback>
-            </mc:AlternateContent>
-          </a:graphicData>
-        </a:graphic>
-      </p:graphicFrame>
-      <p:graphicFrame>
-        <p:nvGraphicFramePr>
           <p:cNvPr id="14" name="对象 13"/>
           <p:cNvGraphicFramePr>
             <a:graphicFrameLocks noChangeAspect="1"/>
           </p:cNvGraphicFramePr>
           <p:nvPr>
             <p:custDataLst>
-              <p:tags r:id="rId13"/>
+              <p:tags r:id="rId10"/>
             </p:custDataLst>
           </p:nvPr>
         </p:nvGraphicFramePr>
@@ -8724,12 +8717,12 @@
           <a:graphicData uri="http://schemas.openxmlformats.org/presentationml/2006/ole">
             <mc:AlternateContent xmlns:mc="http://schemas.openxmlformats.org/markup-compatibility/2006">
               <mc:Choice xmlns:v="urn:schemas-microsoft-com:vml" Requires="v">
-                <p:oleObj spid="_x0000_s17" name="" r:id="rId14" imgW="850265" imgH="1962785" progId="ChemDraw.Document.6.0">
+                <p:oleObj spid="_x0000_s17" name="" r:id="rId11" imgW="850265" imgH="1962785" progId="ChemDraw.Document.6.0">
                   <p:embed/>
                 </p:oleObj>
               </mc:Choice>
               <mc:Fallback>
-                <p:oleObj name="" r:id="rId14" imgW="850265" imgH="1962785" progId="ChemDraw.Document.6.0">
+                <p:oleObj name="" r:id="rId11" imgW="850265" imgH="1962785" progId="ChemDraw.Document.6.0">
                   <p:embed/>
                   <p:pic>
                     <p:nvPicPr>
@@ -8738,7 +8731,7 @@
                       <p:nvPr/>
                     </p:nvPicPr>
                     <p:blipFill>
-                      <a:blip r:embed="rId15"/>
+                      <a:blip r:embed="rId12"/>
                       <a:stretch>
                         <a:fillRect/>
                       </a:stretch>
@@ -8767,7 +8760,7 @@
           </p:cNvGraphicFramePr>
           <p:nvPr>
             <p:custDataLst>
-              <p:tags r:id="rId16"/>
+              <p:tags r:id="rId13"/>
             </p:custDataLst>
           </p:nvPr>
         </p:nvGraphicFramePr>
@@ -8779,16 +8772,71 @@
           <a:graphicData uri="http://schemas.openxmlformats.org/presentationml/2006/ole">
             <mc:AlternateContent xmlns:mc="http://schemas.openxmlformats.org/markup-compatibility/2006">
               <mc:Choice xmlns:v="urn:schemas-microsoft-com:vml" Requires="v">
-                <p:oleObj spid="_x0000_s20" name="" r:id="rId17" imgW="780415" imgH="1327785" progId="ChemDraw.Document.6.0">
+                <p:oleObj spid="_x0000_s20" name="" r:id="rId14" imgW="780415" imgH="1327785" progId="ChemDraw.Document.6.0">
                   <p:embed/>
                 </p:oleObj>
               </mc:Choice>
               <mc:Fallback>
-                <p:oleObj name="" r:id="rId17" imgW="780415" imgH="1327785" progId="ChemDraw.Document.6.0">
+                <p:oleObj name="" r:id="rId14" imgW="780415" imgH="1327785" progId="ChemDraw.Document.6.0">
                   <p:embed/>
                   <p:pic>
                     <p:nvPicPr>
                       <p:cNvPr id="0" name="图片 19"/>
+                      <p:cNvPicPr/>
+                      <p:nvPr/>
+                    </p:nvPicPr>
+                    <p:blipFill>
+                      <a:blip r:embed="rId15"/>
+                      <a:stretch>
+                        <a:fillRect/>
+                      </a:stretch>
+                    </p:blipFill>
+                    <p:spPr>
+                      <a:xfrm>
+                        <a:off x="7984490" y="1897380"/>
+                        <a:ext cx="844428" cy="1440000"/>
+                      </a:xfrm>
+                      <a:prstGeom prst="rect">
+                        <a:avLst/>
+                      </a:prstGeom>
+                    </p:spPr>
+                  </p:pic>
+                </p:oleObj>
+              </mc:Fallback>
+            </mc:AlternateContent>
+          </a:graphicData>
+        </a:graphic>
+      </p:graphicFrame>
+      <p:graphicFrame>
+        <p:nvGraphicFramePr>
+          <p:cNvPr id="19" name="对象 18"/>
+          <p:cNvGraphicFramePr>
+            <a:graphicFrameLocks noChangeAspect="1"/>
+          </p:cNvGraphicFramePr>
+          <p:nvPr>
+            <p:custDataLst>
+              <p:tags r:id="rId16"/>
+            </p:custDataLst>
+          </p:nvPr>
+        </p:nvGraphicFramePr>
+        <p:xfrm>
+          <a:off x="10064115" y="2470150"/>
+          <a:ext cx="1272983" cy="1440000"/>
+        </p:xfrm>
+        <a:graphic>
+          <a:graphicData uri="http://schemas.openxmlformats.org/presentationml/2006/ole">
+            <mc:AlternateContent xmlns:mc="http://schemas.openxmlformats.org/markup-compatibility/2006">
+              <mc:Choice xmlns:v="urn:schemas-microsoft-com:vml" Requires="v">
+                <p:oleObj spid="_x0000_s21" name="" r:id="rId17" imgW="1182370" imgH="1339850" progId="ChemDraw.Document.6.0">
+                  <p:embed/>
+                </p:oleObj>
+              </mc:Choice>
+              <mc:Fallback>
+                <p:oleObj name="" r:id="rId17" imgW="1182370" imgH="1339850" progId="ChemDraw.Document.6.0">
+                  <p:embed/>
+                  <p:pic>
+                    <p:nvPicPr>
+                      <p:cNvPr id="0" name="图片 20"/>
                       <p:cNvPicPr/>
                       <p:nvPr/>
                     </p:nvPicPr>
@@ -8800,8 +8848,8 @@
                     </p:blipFill>
                     <p:spPr>
                       <a:xfrm>
-                        <a:off x="7984490" y="1897380"/>
-                        <a:ext cx="844428" cy="1440000"/>
+                        <a:off x="10064115" y="2470150"/>
+                        <a:ext cx="1272983" cy="1440000"/>
                       </a:xfrm>
                       <a:prstGeom prst="rect">
                         <a:avLst/>
@@ -9882,7 +9930,7 @@
                 <a:latin typeface="Times New Roman" panose="02020603050405020304" charset="0"/>
                 <a:cs typeface="Times New Roman" panose="02020603050405020304" charset="0"/>
               </a:rPr>
-              <a:t>Total Barrier: kcal/mol</a:t>
+              <a:t>Total Barrier: ~30kcal/mol</a:t>
             </a:r>
             <a:endParaRPr lang="en-US" altLang="zh-CN" sz="2400">
               <a:solidFill>
@@ -9949,6 +9997,345 @@
           </a:graphicData>
         </a:graphic>
       </p:graphicFrame>
+      <p:pic>
+        <p:nvPicPr>
+          <p:cNvPr id="4" name="图片 3" descr="N-O bond scan3"/>
+          <p:cNvPicPr>
+            <a:picLocks noChangeAspect="1"/>
+          </p:cNvPicPr>
+          <p:nvPr/>
+        </p:nvPicPr>
+        <p:blipFill>
+          <a:blip r:embed="rId7"/>
+          <a:stretch>
+            <a:fillRect/>
+          </a:stretch>
+        </p:blipFill>
+        <p:spPr>
+          <a:xfrm>
+            <a:off x="4043045" y="1071245"/>
+            <a:ext cx="8100000" cy="5400000"/>
+          </a:xfrm>
+          <a:prstGeom prst="rect">
+            <a:avLst/>
+          </a:prstGeom>
+        </p:spPr>
+      </p:pic>
+      <p:cxnSp>
+        <p:nvCxnSpPr>
+          <p:cNvPr id="6" name="直接箭头连接符 5"/>
+          <p:cNvCxnSpPr/>
+          <p:nvPr>
+            <p:custDataLst>
+              <p:tags r:id="rId8"/>
+            </p:custDataLst>
+          </p:nvPr>
+        </p:nvCxnSpPr>
+        <p:spPr>
+          <a:xfrm>
+            <a:off x="7532370" y="1489075"/>
+            <a:ext cx="8890" cy="3891280"/>
+          </a:xfrm>
+          <a:prstGeom prst="straightConnector1">
+            <a:avLst/>
+          </a:prstGeom>
+          <a:ln w="38100">
+            <a:solidFill>
+              <a:schemeClr val="accent6">
+                <a:lumMod val="60000"/>
+                <a:lumOff val="40000"/>
+              </a:schemeClr>
+            </a:solidFill>
+            <a:headEnd type="arrow"/>
+            <a:tailEnd type="arrow"/>
+          </a:ln>
+        </p:spPr>
+        <p:style>
+          <a:lnRef idx="2">
+            <a:schemeClr val="accent1"/>
+          </a:lnRef>
+          <a:fillRef idx="0">
+            <a:srgbClr val="FFFFFF"/>
+          </a:fillRef>
+          <a:effectRef idx="0">
+            <a:srgbClr val="FFFFFF"/>
+          </a:effectRef>
+          <a:fontRef idx="minor">
+            <a:schemeClr val="tx1"/>
+          </a:fontRef>
+        </p:style>
+      </p:cxnSp>
+      <p:sp>
+        <p:nvSpPr>
+          <p:cNvPr id="29" name="文本框 28"/>
+          <p:cNvSpPr txBox="1"/>
+          <p:nvPr>
+            <p:custDataLst>
+              <p:tags r:id="rId9"/>
+            </p:custDataLst>
+          </p:nvPr>
+        </p:nvSpPr>
+        <p:spPr>
+          <a:xfrm>
+            <a:off x="7532370" y="4108450"/>
+            <a:ext cx="1434465" cy="469900"/>
+          </a:xfrm>
+          <a:prstGeom prst="rect">
+            <a:avLst/>
+          </a:prstGeom>
+          <a:noFill/>
+        </p:spPr>
+        <p:txBody>
+          <a:bodyPr wrap="square" rtlCol="0" anchor="t">
+            <a:noAutofit/>
+          </a:bodyPr>
+          <a:p>
+            <a:r>
+              <a:rPr lang="en-US" altLang="zh-CN">
+                <a:solidFill>
+                  <a:schemeClr val="accent6">
+                    <a:lumMod val="60000"/>
+                    <a:lumOff val="40000"/>
+                  </a:schemeClr>
+                </a:solidFill>
+                <a:latin typeface="Times New Roman" panose="02020603050405020304" charset="0"/>
+                <a:cs typeface="Times New Roman" panose="02020603050405020304" charset="0"/>
+              </a:rPr>
+              <a:t>~30kcal/mol</a:t>
+            </a:r>
+            <a:endParaRPr lang="en-US" altLang="zh-CN">
+              <a:solidFill>
+                <a:schemeClr val="accent6">
+                  <a:lumMod val="60000"/>
+                  <a:lumOff val="40000"/>
+                </a:schemeClr>
+              </a:solidFill>
+              <a:latin typeface="Times New Roman" panose="02020603050405020304" charset="0"/>
+              <a:cs typeface="Times New Roman" panose="02020603050405020304" charset="0"/>
+            </a:endParaRPr>
+          </a:p>
+        </p:txBody>
+      </p:sp>
+      <p:graphicFrame>
+        <p:nvGraphicFramePr>
+          <p:cNvPr id="13" name="对象 12"/>
+          <p:cNvGraphicFramePr>
+            <a:graphicFrameLocks noChangeAspect="1"/>
+          </p:cNvGraphicFramePr>
+          <p:nvPr>
+            <p:custDataLst>
+              <p:tags r:id="rId10"/>
+            </p:custDataLst>
+          </p:nvPr>
+        </p:nvGraphicFramePr>
+        <p:xfrm>
+          <a:off x="5522595" y="3623310"/>
+          <a:ext cx="1133781" cy="1440000"/>
+        </p:xfrm>
+        <a:graphic>
+          <a:graphicData uri="http://schemas.openxmlformats.org/presentationml/2006/ole">
+            <mc:AlternateContent xmlns:mc="http://schemas.openxmlformats.org/markup-compatibility/2006">
+              <mc:Choice xmlns:v="urn:schemas-microsoft-com:vml" Requires="v">
+                <p:oleObj spid="_x0000_s14" name="" r:id="rId11" imgW="1002030" imgH="1275715" progId="ChemDraw.Document.6.0">
+                  <p:embed/>
+                </p:oleObj>
+              </mc:Choice>
+              <mc:Fallback>
+                <p:oleObj name="" r:id="rId11" imgW="1002030" imgH="1275715" progId="ChemDraw.Document.6.0">
+                  <p:embed/>
+                  <p:pic>
+                    <p:nvPicPr>
+                      <p:cNvPr id="0" name="图片 13"/>
+                      <p:cNvPicPr/>
+                      <p:nvPr/>
+                    </p:nvPicPr>
+                    <p:blipFill>
+                      <a:blip r:embed="rId12"/>
+                      <a:stretch>
+                        <a:fillRect/>
+                      </a:stretch>
+                    </p:blipFill>
+                    <p:spPr>
+                      <a:xfrm>
+                        <a:off x="5522595" y="3623310"/>
+                        <a:ext cx="1133781" cy="1440000"/>
+                      </a:xfrm>
+                      <a:prstGeom prst="rect">
+                        <a:avLst/>
+                      </a:prstGeom>
+                    </p:spPr>
+                  </p:pic>
+                </p:oleObj>
+              </mc:Fallback>
+            </mc:AlternateContent>
+          </a:graphicData>
+        </a:graphic>
+      </p:graphicFrame>
+      <p:graphicFrame>
+        <p:nvGraphicFramePr>
+          <p:cNvPr id="17" name="对象 16"/>
+          <p:cNvGraphicFramePr>
+            <a:graphicFrameLocks noChangeAspect="1"/>
+          </p:cNvGraphicFramePr>
+          <p:nvPr>
+            <p:custDataLst>
+              <p:tags r:id="rId13"/>
+            </p:custDataLst>
+          </p:nvPr>
+        </p:nvGraphicFramePr>
+        <p:xfrm>
+          <a:off x="8750300" y="3859530"/>
+          <a:ext cx="988138" cy="1440000"/>
+        </p:xfrm>
+        <a:graphic>
+          <a:graphicData uri="http://schemas.openxmlformats.org/presentationml/2006/ole">
+            <mc:AlternateContent xmlns:mc="http://schemas.openxmlformats.org/markup-compatibility/2006">
+              <mc:Choice xmlns:v="urn:schemas-microsoft-com:vml" Requires="v">
+                <p:oleObj spid="_x0000_s18" name="" r:id="rId14" imgW="868045" imgH="1269365" progId="ChemDraw.Document.6.0">
+                  <p:embed/>
+                </p:oleObj>
+              </mc:Choice>
+              <mc:Fallback>
+                <p:oleObj name="" r:id="rId14" imgW="868045" imgH="1269365" progId="ChemDraw.Document.6.0">
+                  <p:embed/>
+                  <p:pic>
+                    <p:nvPicPr>
+                      <p:cNvPr id="0" name="图片 17"/>
+                      <p:cNvPicPr/>
+                      <p:nvPr/>
+                    </p:nvPicPr>
+                    <p:blipFill>
+                      <a:blip r:embed="rId15"/>
+                      <a:stretch>
+                        <a:fillRect/>
+                      </a:stretch>
+                    </p:blipFill>
+                    <p:spPr>
+                      <a:xfrm>
+                        <a:off x="8750300" y="3859530"/>
+                        <a:ext cx="988138" cy="1440000"/>
+                      </a:xfrm>
+                      <a:prstGeom prst="rect">
+                        <a:avLst/>
+                      </a:prstGeom>
+                    </p:spPr>
+                  </p:pic>
+                </p:oleObj>
+              </mc:Fallback>
+            </mc:AlternateContent>
+          </a:graphicData>
+        </a:graphic>
+      </p:graphicFrame>
+      <p:graphicFrame>
+        <p:nvGraphicFramePr>
+          <p:cNvPr id="21" name="对象 20"/>
+          <p:cNvGraphicFramePr>
+            <a:graphicFrameLocks noChangeAspect="1"/>
+          </p:cNvGraphicFramePr>
+          <p:nvPr>
+            <p:custDataLst>
+              <p:tags r:id="rId16"/>
+            </p:custDataLst>
+          </p:nvPr>
+        </p:nvGraphicFramePr>
+        <p:xfrm>
+          <a:off x="10956290" y="3859530"/>
+          <a:ext cx="844428" cy="1440000"/>
+        </p:xfrm>
+        <a:graphic>
+          <a:graphicData uri="http://schemas.openxmlformats.org/presentationml/2006/ole">
+            <mc:AlternateContent xmlns:mc="http://schemas.openxmlformats.org/markup-compatibility/2006">
+              <mc:Choice xmlns:v="urn:schemas-microsoft-com:vml" Requires="v">
+                <p:oleObj spid="_x0000_s22" name="" r:id="rId17" imgW="780415" imgH="1327785" progId="ChemDraw.Document.6.0">
+                  <p:embed/>
+                </p:oleObj>
+              </mc:Choice>
+              <mc:Fallback>
+                <p:oleObj name="" r:id="rId17" imgW="780415" imgH="1327785" progId="ChemDraw.Document.6.0">
+                  <p:embed/>
+                  <p:pic>
+                    <p:nvPicPr>
+                      <p:cNvPr id="0" name="图片 21"/>
+                      <p:cNvPicPr/>
+                      <p:nvPr/>
+                    </p:nvPicPr>
+                    <p:blipFill>
+                      <a:blip r:embed="rId18"/>
+                      <a:stretch>
+                        <a:fillRect/>
+                      </a:stretch>
+                    </p:blipFill>
+                    <p:spPr>
+                      <a:xfrm>
+                        <a:off x="10956290" y="3859530"/>
+                        <a:ext cx="844428" cy="1440000"/>
+                      </a:xfrm>
+                      <a:prstGeom prst="rect">
+                        <a:avLst/>
+                      </a:prstGeom>
+                    </p:spPr>
+                  </p:pic>
+                </p:oleObj>
+              </mc:Fallback>
+            </mc:AlternateContent>
+          </a:graphicData>
+        </a:graphic>
+      </p:graphicFrame>
+      <p:graphicFrame>
+        <p:nvGraphicFramePr>
+          <p:cNvPr id="23" name="对象 22"/>
+          <p:cNvGraphicFramePr>
+            <a:graphicFrameLocks noChangeAspect="1"/>
+          </p:cNvGraphicFramePr>
+          <p:nvPr>
+            <p:custDataLst>
+              <p:tags r:id="rId19"/>
+            </p:custDataLst>
+          </p:nvPr>
+        </p:nvGraphicFramePr>
+        <p:xfrm>
+          <a:off x="7771765" y="1181735"/>
+          <a:ext cx="1133781" cy="1440000"/>
+        </p:xfrm>
+        <a:graphic>
+          <a:graphicData uri="http://schemas.openxmlformats.org/presentationml/2006/ole">
+            <mc:AlternateContent xmlns:mc="http://schemas.openxmlformats.org/markup-compatibility/2006">
+              <mc:Choice xmlns:v="urn:schemas-microsoft-com:vml" Requires="v">
+                <p:oleObj spid="_x0000_s24" name="" r:id="rId20" imgW="1002030" imgH="1275715" progId="ChemDraw.Document.6.0">
+                  <p:embed/>
+                </p:oleObj>
+              </mc:Choice>
+              <mc:Fallback>
+                <p:oleObj name="" r:id="rId20" imgW="1002030" imgH="1275715" progId="ChemDraw.Document.6.0">
+                  <p:embed/>
+                  <p:pic>
+                    <p:nvPicPr>
+                      <p:cNvPr id="0" name="图片 23"/>
+                      <p:cNvPicPr/>
+                      <p:nvPr/>
+                    </p:nvPicPr>
+                    <p:blipFill>
+                      <a:blip r:embed="rId21"/>
+                      <a:stretch>
+                        <a:fillRect/>
+                      </a:stretch>
+                    </p:blipFill>
+                    <p:spPr>
+                      <a:xfrm>
+                        <a:off x="7771765" y="1181735"/>
+                        <a:ext cx="1133781" cy="1440000"/>
+                      </a:xfrm>
+                      <a:prstGeom prst="rect">
+                        <a:avLst/>
+                      </a:prstGeom>
+                    </p:spPr>
+                  </p:pic>
+                </p:oleObj>
+              </mc:Fallback>
+            </mc:AlternateContent>
+          </a:graphicData>
+        </a:graphic>
+      </p:graphicFrame>
     </p:spTree>
   </p:cSld>
   <p:clrMapOvr>
@@ -10144,7 +10531,7 @@
         </p:nvSpPr>
         <p:spPr>
           <a:xfrm>
-            <a:off x="0" y="626745"/>
+            <a:off x="102870" y="548005"/>
             <a:ext cx="12217400" cy="377825"/>
           </a:xfrm>
           <a:prstGeom prst="rect">
@@ -10191,7 +10578,7 @@
         </p:nvSpPr>
         <p:spPr>
           <a:xfrm>
-            <a:off x="0" y="31750"/>
+            <a:off x="-6350" y="39370"/>
             <a:ext cx="12207240" cy="587375"/>
           </a:xfrm>
           <a:prstGeom prst="rect">
@@ -10215,7 +10602,7 @@
                 <a:latin typeface="Times New Roman" panose="02020603050405020304" charset="0"/>
                 <a:cs typeface="Times New Roman" panose="02020603050405020304" charset="0"/>
               </a:rPr>
-              <a:t>Step I: Scan of N-O Bond</a:t>
+              <a:t>Step I: 7-Coordinate Fe Complex</a:t>
             </a:r>
             <a:endParaRPr lang="en-US" altLang="zh-CN" sz="2800" b="1">
               <a:solidFill>
@@ -10271,6 +10658,124 @@
           </a:fontRef>
         </p:style>
       </p:cxnSp>
+      <p:pic>
+        <p:nvPicPr>
+          <p:cNvPr id="2" name="图片 1"/>
+          <p:cNvPicPr>
+            <a:picLocks noChangeAspect="1"/>
+          </p:cNvPicPr>
+          <p:nvPr>
+            <p:custDataLst>
+              <p:tags r:id="rId3"/>
+            </p:custDataLst>
+          </p:nvPr>
+        </p:nvPicPr>
+        <p:blipFill>
+          <a:blip r:embed="rId4"/>
+          <a:stretch>
+            <a:fillRect/>
+          </a:stretch>
+        </p:blipFill>
+        <p:spPr>
+          <a:xfrm>
+            <a:off x="4901565" y="925830"/>
+            <a:ext cx="5772150" cy="5505450"/>
+          </a:xfrm>
+          <a:prstGeom prst="rect">
+            <a:avLst/>
+          </a:prstGeom>
+        </p:spPr>
+      </p:pic>
+      <p:sp>
+        <p:nvSpPr>
+          <p:cNvPr id="3" name="文本框 2"/>
+          <p:cNvSpPr txBox="1"/>
+          <p:nvPr/>
+        </p:nvSpPr>
+        <p:spPr>
+          <a:xfrm>
+            <a:off x="318770" y="5510530"/>
+            <a:ext cx="4582160" cy="829945"/>
+          </a:xfrm>
+          <a:prstGeom prst="rect">
+            <a:avLst/>
+          </a:prstGeom>
+          <a:noFill/>
+        </p:spPr>
+        <p:txBody>
+          <a:bodyPr wrap="square" rtlCol="0">
+            <a:spAutoFit/>
+          </a:bodyPr>
+          <a:p>
+            <a:r>
+              <a:rPr lang="zh-CN" altLang="en-US" sz="2400">
+                <a:latin typeface="Times New Roman" panose="02020603050405020304" charset="0"/>
+                <a:cs typeface="Times New Roman" panose="02020603050405020304" charset="0"/>
+              </a:rPr>
+              <a:t>seven-coordinate iron complex with pentagonal bipyramidal geometry</a:t>
+            </a:r>
+            <a:endParaRPr lang="zh-CN" altLang="en-US" sz="2400">
+              <a:latin typeface="Times New Roman" panose="02020603050405020304" charset="0"/>
+              <a:cs typeface="Times New Roman" panose="02020603050405020304" charset="0"/>
+            </a:endParaRPr>
+          </a:p>
+        </p:txBody>
+      </p:sp>
+      <p:graphicFrame>
+        <p:nvGraphicFramePr>
+          <p:cNvPr id="4" name="对象 3"/>
+          <p:cNvGraphicFramePr>
+            <a:graphicFrameLocks noChangeAspect="1"/>
+          </p:cNvGraphicFramePr>
+          <p:nvPr>
+            <p:custDataLst>
+              <p:tags r:id="rId5"/>
+            </p:custDataLst>
+          </p:nvPr>
+        </p:nvGraphicFramePr>
+        <p:xfrm>
+          <a:off x="1414780" y="1628775"/>
+          <a:ext cx="2246575" cy="3600000"/>
+        </p:xfrm>
+        <a:graphic>
+          <a:graphicData uri="http://schemas.openxmlformats.org/presentationml/2006/ole">
+            <mc:AlternateContent xmlns:mc="http://schemas.openxmlformats.org/markup-compatibility/2006">
+              <mc:Choice xmlns:v="urn:schemas-microsoft-com:vml" Requires="v">
+                <p:oleObj spid="_x0000_s6" name="" r:id="rId6" imgW="995680" imgH="1595755" progId="ChemDraw.Document.6.0">
+                  <p:embed/>
+                </p:oleObj>
+              </mc:Choice>
+              <mc:Fallback>
+                <p:oleObj name="" r:id="rId6" imgW="995680" imgH="1595755" progId="ChemDraw.Document.6.0">
+                  <p:embed/>
+                  <p:pic>
+                    <p:nvPicPr>
+                      <p:cNvPr id="0" name="图片 5"/>
+                      <p:cNvPicPr/>
+                      <p:nvPr/>
+                    </p:nvPicPr>
+                    <p:blipFill>
+                      <a:blip r:embed="rId7"/>
+                      <a:stretch>
+                        <a:fillRect/>
+                      </a:stretch>
+                    </p:blipFill>
+                    <p:spPr>
+                      <a:xfrm>
+                        <a:off x="1414780" y="1628775"/>
+                        <a:ext cx="2246575" cy="3600000"/>
+                      </a:xfrm>
+                      <a:prstGeom prst="rect">
+                        <a:avLst/>
+                      </a:prstGeom>
+                    </p:spPr>
+                  </p:pic>
+                </p:oleObj>
+              </mc:Fallback>
+            </mc:AlternateContent>
+          </a:graphicData>
+        </a:graphic>
+      </p:graphicFrame>
     </p:spTree>
   </p:cSld>
   <p:clrMapOvr>
@@ -10503,13 +11008,61 @@
 
 <file path=ppt/tags/tag43.xml><?xml version="1.0" encoding="utf-8"?>
 <p:tagLst xmlns:p="http://schemas.openxmlformats.org/presentationml/2006/main">
-  <p:tag name="commondata" val="eyJoZGlkIjoiMzcyODMxYTE0ZTc0ZGU3Y2QwODc3MzYzN2Q1YmNiM2EifQ=="/>
+  <p:tag name="KSO_WM_BEAUTIFY_FLAG" val=""/>
+</p:tagLst>
+</file>
+
+<file path=ppt/tags/tag44.xml><?xml version="1.0" encoding="utf-8"?>
+<p:tagLst xmlns:p="http://schemas.openxmlformats.org/presentationml/2006/main">
+  <p:tag name="KSO_WM_BEAUTIFY_FLAG" val=""/>
+</p:tagLst>
+</file>
+
+<file path=ppt/tags/tag45.xml><?xml version="1.0" encoding="utf-8"?>
+<p:tagLst xmlns:p="http://schemas.openxmlformats.org/presentationml/2006/main">
+  <p:tag name="KSO_WM_BEAUTIFY_FLAG" val=""/>
+</p:tagLst>
+</file>
+
+<file path=ppt/tags/tag46.xml><?xml version="1.0" encoding="utf-8"?>
+<p:tagLst xmlns:p="http://schemas.openxmlformats.org/presentationml/2006/main">
+  <p:tag name="KSO_WM_BEAUTIFY_FLAG" val=""/>
+</p:tagLst>
+</file>
+
+<file path=ppt/tags/tag47.xml><?xml version="1.0" encoding="utf-8"?>
+<p:tagLst xmlns:p="http://schemas.openxmlformats.org/presentationml/2006/main">
+  <p:tag name="KSO_WM_BEAUTIFY_FLAG" val=""/>
+</p:tagLst>
+</file>
+
+<file path=ppt/tags/tag48.xml><?xml version="1.0" encoding="utf-8"?>
+<p:tagLst xmlns:p="http://schemas.openxmlformats.org/presentationml/2006/main">
+  <p:tag name="KSO_WM_BEAUTIFY_FLAG" val=""/>
+</p:tagLst>
+</file>
+
+<file path=ppt/tags/tag49.xml><?xml version="1.0" encoding="utf-8"?>
+<p:tagLst xmlns:p="http://schemas.openxmlformats.org/presentationml/2006/main">
+  <p:tag name="KSO_WM_BEAUTIFY_FLAG" val=""/>
 </p:tagLst>
 </file>
 
 <file path=ppt/tags/tag5.xml><?xml version="1.0" encoding="utf-8"?>
 <p:tagLst xmlns:p="http://schemas.openxmlformats.org/presentationml/2006/main">
   <p:tag name="KSO_WM_BEAUTIFY_FLAG" val=""/>
+</p:tagLst>
+</file>
+
+<file path=ppt/tags/tag50.xml><?xml version="1.0" encoding="utf-8"?>
+<p:tagLst xmlns:p="http://schemas.openxmlformats.org/presentationml/2006/main">
+  <p:tag name="KSO_WM_BEAUTIFY_FLAG" val=""/>
+</p:tagLst>
+</file>
+
+<file path=ppt/tags/tag51.xml><?xml version="1.0" encoding="utf-8"?>
+<p:tagLst xmlns:p="http://schemas.openxmlformats.org/presentationml/2006/main">
+  <p:tag name="commondata" val="eyJoZGlkIjoiMzcyODMxYTE0ZTc0ZGU3Y2QwODc3MzYzN2Q1YmNiM2EifQ=="/>
 </p:tagLst>
 </file>
 

--- a/notes/Fe-NAT.pptx
+++ b/notes/Fe-NAT.pptx
@@ -18,11 +18,13 @@
     <p:sldId id="264" r:id="rId11"/>
     <p:sldId id="266" r:id="rId12"/>
     <p:sldId id="267" r:id="rId13"/>
+    <p:sldId id="270" r:id="rId14"/>
+    <p:sldId id="275" r:id="rId15"/>
   </p:sldIdLst>
   <p:sldSz cx="12192000" cy="6858000"/>
   <p:notesSz cx="6858000" cy="9144000"/>
   <p:custDataLst>
-    <p:tags r:id="rId17"/>
+    <p:tags r:id="rId19"/>
   </p:custDataLst>
   <p:defaultTextStyle>
     <a:defPPr>
@@ -6447,6 +6449,773 @@
 </p:sld>
 </file>
 
+<file path=ppt/slides/slide10.xml><?xml version="1.0" encoding="utf-8"?>
+<p:sld xmlns:a="http://schemas.openxmlformats.org/drawingml/2006/main" xmlns:r="http://schemas.openxmlformats.org/officeDocument/2006/relationships" xmlns:p="http://schemas.openxmlformats.org/presentationml/2006/main">
+  <p:cSld>
+    <p:spTree>
+      <p:nvGrpSpPr>
+        <p:cNvPr id="1" name=""/>
+        <p:cNvGrpSpPr/>
+        <p:nvPr/>
+      </p:nvGrpSpPr>
+      <p:grpSpPr/>
+      <p:sp>
+        <p:nvSpPr>
+          <p:cNvPr id="5" name="矩形 4"/>
+          <p:cNvSpPr/>
+          <p:nvPr/>
+        </p:nvSpPr>
+        <p:spPr>
+          <a:xfrm>
+            <a:off x="0" y="6537325"/>
+            <a:ext cx="12200890" cy="349250"/>
+          </a:xfrm>
+          <a:prstGeom prst="rect">
+            <a:avLst/>
+          </a:prstGeom>
+          <a:solidFill>
+            <a:srgbClr val="B27FD9"/>
+          </a:solidFill>
+          <a:ln>
+            <a:solidFill>
+              <a:schemeClr val="accent1">
+                <a:lumMod val="40000"/>
+                <a:lumOff val="60000"/>
+              </a:schemeClr>
+            </a:solidFill>
+          </a:ln>
+        </p:spPr>
+        <p:style>
+          <a:lnRef idx="2">
+            <a:schemeClr val="accent1">
+              <a:lumMod val="75000"/>
+            </a:schemeClr>
+          </a:lnRef>
+          <a:fillRef idx="1">
+            <a:schemeClr val="accent1"/>
+          </a:fillRef>
+          <a:effectRef idx="0">
+            <a:srgbClr val="FFFFFF"/>
+          </a:effectRef>
+          <a:fontRef idx="minor">
+            <a:schemeClr val="lt1"/>
+          </a:fontRef>
+        </p:style>
+        <p:txBody>
+          <a:bodyPr rtlCol="0" anchor="ctr"/>
+          <a:p>
+            <a:pPr algn="ctr"/>
+            <a:endParaRPr lang="zh-CN" altLang="en-US"/>
+          </a:p>
+        </p:txBody>
+      </p:sp>
+      <p:sp>
+        <p:nvSpPr>
+          <p:cNvPr id="7" name="文本框 6"/>
+          <p:cNvSpPr txBox="1"/>
+          <p:nvPr/>
+        </p:nvSpPr>
+        <p:spPr>
+          <a:xfrm>
+            <a:off x="0" y="6537325"/>
+            <a:ext cx="1619885" cy="349250"/>
+          </a:xfrm>
+          <a:prstGeom prst="rect">
+            <a:avLst/>
+          </a:prstGeom>
+          <a:noFill/>
+        </p:spPr>
+        <p:txBody>
+          <a:bodyPr wrap="square" rtlCol="0">
+            <a:noAutofit/>
+          </a:bodyPr>
+          <a:p>
+            <a:pPr algn="ctr"/>
+            <a:r>
+              <a:rPr lang="en-US" altLang="zh-CN">
+                <a:solidFill>
+                  <a:schemeClr val="bg1"/>
+                </a:solidFill>
+                <a:latin typeface="Times New Roman" panose="02020603050405020304" charset="0"/>
+                <a:cs typeface="Times New Roman" panose="02020603050405020304" charset="0"/>
+              </a:rPr>
+              <a:t>Iron-NAT</a:t>
+            </a:r>
+            <a:endParaRPr lang="en-US" altLang="zh-CN">
+              <a:solidFill>
+                <a:schemeClr val="bg1"/>
+              </a:solidFill>
+              <a:latin typeface="Times New Roman" panose="02020603050405020304" charset="0"/>
+              <a:cs typeface="Times New Roman" panose="02020603050405020304" charset="0"/>
+            </a:endParaRPr>
+          </a:p>
+        </p:txBody>
+      </p:sp>
+      <p:sp>
+        <p:nvSpPr>
+          <p:cNvPr id="10" name="日期占位符 9"/>
+          <p:cNvSpPr>
+            <a:spLocks noGrp="1"/>
+          </p:cNvSpPr>
+          <p:nvPr>
+            <p:ph type="dt" sz="half" idx="10"/>
+          </p:nvPr>
+        </p:nvSpPr>
+        <p:spPr>
+          <a:xfrm>
+            <a:off x="10585450" y="6537325"/>
+            <a:ext cx="1615440" cy="349250"/>
+          </a:xfrm>
+        </p:spPr>
+        <p:txBody>
+          <a:bodyPr/>
+          <a:p>
+            <a:fld id="{D997B5FA-0921-464F-AAE1-844C04324D75}" type="datetime1">
+              <a:rPr lang="en-US" altLang="en-US" sz="1600" smtClean="0">
+                <a:solidFill>
+                  <a:schemeClr val="bg1"/>
+                </a:solidFill>
+                <a:latin typeface="Times New Roman" panose="02020603050405020304" charset="0"/>
+                <a:cs typeface="Times New Roman" panose="02020603050405020304" charset="0"/>
+              </a:rPr>
+            </a:fld>
+            <a:endParaRPr lang="en-US" altLang="en-US" sz="1600" smtClean="0">
+              <a:solidFill>
+                <a:schemeClr val="bg1"/>
+              </a:solidFill>
+              <a:latin typeface="Times New Roman" panose="02020603050405020304" charset="0"/>
+              <a:cs typeface="Times New Roman" panose="02020603050405020304" charset="0"/>
+            </a:endParaRPr>
+          </a:p>
+        </p:txBody>
+      </p:sp>
+      <p:sp>
+        <p:nvSpPr>
+          <p:cNvPr id="11" name="页脚占位符 10"/>
+          <p:cNvSpPr>
+            <a:spLocks noGrp="1"/>
+          </p:cNvSpPr>
+          <p:nvPr>
+            <p:ph type="ftr" sz="quarter" idx="11"/>
+          </p:nvPr>
+        </p:nvSpPr>
+        <p:spPr>
+          <a:xfrm>
+            <a:off x="4043045" y="6537325"/>
+            <a:ext cx="4119880" cy="349250"/>
+          </a:xfrm>
+        </p:spPr>
+        <p:txBody>
+          <a:bodyPr/>
+          <a:p>
+            <a:r>
+              <a:rPr lang="zh-CN" altLang="en-US" sz="1600">
+                <a:solidFill>
+                  <a:schemeClr val="bg1"/>
+                </a:solidFill>
+                <a:latin typeface="Times New Roman" panose="02020603050405020304" charset="0"/>
+                <a:cs typeface="Times New Roman" panose="02020603050405020304" charset="0"/>
+              </a:rPr>
+              <a:t>CCATS Group(Brandeis)</a:t>
+            </a:r>
+            <a:endParaRPr lang="zh-CN" altLang="en-US" sz="1600">
+              <a:solidFill>
+                <a:schemeClr val="bg1"/>
+              </a:solidFill>
+              <a:latin typeface="Times New Roman" panose="02020603050405020304" charset="0"/>
+              <a:cs typeface="Times New Roman" panose="02020603050405020304" charset="0"/>
+            </a:endParaRPr>
+          </a:p>
+        </p:txBody>
+      </p:sp>
+      <p:sp>
+        <p:nvSpPr>
+          <p:cNvPr id="9" name="文本框 8"/>
+          <p:cNvSpPr txBox="1"/>
+          <p:nvPr/>
+        </p:nvSpPr>
+        <p:spPr>
+          <a:xfrm>
+            <a:off x="102870" y="548005"/>
+            <a:ext cx="12217400" cy="377825"/>
+          </a:xfrm>
+          <a:prstGeom prst="rect">
+            <a:avLst/>
+          </a:prstGeom>
+          <a:noFill/>
+        </p:spPr>
+        <p:txBody>
+          <a:bodyPr wrap="square" rtlCol="0" anchor="t">
+            <a:noAutofit/>
+          </a:bodyPr>
+          <a:p>
+            <a:pPr algn="r"/>
+            <a:r>
+              <a:rPr lang="zh-CN" altLang="en-US">
+                <a:latin typeface="Times New Roman" panose="02020603050405020304" charset="0"/>
+                <a:cs typeface="Times New Roman" panose="02020603050405020304" charset="0"/>
+              </a:rPr>
+              <a:t>opt/freq at ωB97X-D/6-31G* level</a:t>
+            </a:r>
+            <a:r>
+              <a:rPr lang="en-US" altLang="zh-CN">
+                <a:latin typeface="Times New Roman" panose="02020603050405020304" charset="0"/>
+                <a:cs typeface="Times New Roman" panose="02020603050405020304" charset="0"/>
+              </a:rPr>
+              <a:t>, gas phase</a:t>
+            </a:r>
+            <a:endParaRPr lang="en-US" altLang="zh-CN">
+              <a:latin typeface="Times New Roman" panose="02020603050405020304" charset="0"/>
+              <a:cs typeface="Times New Roman" panose="02020603050405020304" charset="0"/>
+            </a:endParaRPr>
+          </a:p>
+        </p:txBody>
+      </p:sp>
+      <p:sp>
+        <p:nvSpPr>
+          <p:cNvPr id="15" name="文本框 14"/>
+          <p:cNvSpPr txBox="1"/>
+          <p:nvPr>
+            <p:custDataLst>
+              <p:tags r:id="rId1"/>
+            </p:custDataLst>
+          </p:nvPr>
+        </p:nvSpPr>
+        <p:spPr>
+          <a:xfrm>
+            <a:off x="-6350" y="39370"/>
+            <a:ext cx="12207240" cy="587375"/>
+          </a:xfrm>
+          <a:prstGeom prst="rect">
+            <a:avLst/>
+          </a:prstGeom>
+          <a:noFill/>
+        </p:spPr>
+        <p:txBody>
+          <a:bodyPr wrap="square" rtlCol="0">
+            <a:noAutofit/>
+          </a:bodyPr>
+          <a:p>
+            <a:pPr algn="ctr"/>
+            <a:r>
+              <a:rPr lang="en-US" altLang="zh-CN" sz="2800" b="1">
+                <a:solidFill>
+                  <a:schemeClr val="accent1">
+                    <a:lumMod val="75000"/>
+                  </a:schemeClr>
+                </a:solidFill>
+                <a:latin typeface="Times New Roman" panose="02020603050405020304" charset="0"/>
+                <a:cs typeface="Times New Roman" panose="02020603050405020304" charset="0"/>
+              </a:rPr>
+              <a:t>Step I: Conformation Type B of Int 1</a:t>
+            </a:r>
+            <a:endParaRPr lang="en-US" altLang="zh-CN" sz="2800" b="1">
+              <a:solidFill>
+                <a:schemeClr val="accent1">
+                  <a:lumMod val="75000"/>
+                </a:schemeClr>
+              </a:solidFill>
+              <a:latin typeface="Times New Roman" panose="02020603050405020304" charset="0"/>
+              <a:cs typeface="Times New Roman" panose="02020603050405020304" charset="0"/>
+            </a:endParaRPr>
+          </a:p>
+        </p:txBody>
+      </p:sp>
+      <p:cxnSp>
+        <p:nvCxnSpPr>
+          <p:cNvPr id="16" name="直接连接符 15"/>
+          <p:cNvCxnSpPr/>
+          <p:nvPr>
+            <p:custDataLst>
+              <p:tags r:id="rId2"/>
+            </p:custDataLst>
+          </p:nvPr>
+        </p:nvCxnSpPr>
+        <p:spPr>
+          <a:xfrm flipV="1">
+            <a:off x="-6350" y="563245"/>
+            <a:ext cx="12192000" cy="30480"/>
+          </a:xfrm>
+          <a:prstGeom prst="line">
+            <a:avLst/>
+          </a:prstGeom>
+          <a:ln w="50800">
+            <a:solidFill>
+              <a:schemeClr val="accent1">
+                <a:lumMod val="60000"/>
+                <a:lumOff val="40000"/>
+              </a:schemeClr>
+            </a:solidFill>
+          </a:ln>
+        </p:spPr>
+        <p:style>
+          <a:lnRef idx="2">
+            <a:schemeClr val="accent1"/>
+          </a:lnRef>
+          <a:fillRef idx="0">
+            <a:srgbClr val="FFFFFF"/>
+          </a:fillRef>
+          <a:effectRef idx="0">
+            <a:srgbClr val="FFFFFF"/>
+          </a:effectRef>
+          <a:fontRef idx="minor">
+            <a:schemeClr val="tx1"/>
+          </a:fontRef>
+        </p:style>
+      </p:cxnSp>
+      <p:pic>
+        <p:nvPicPr>
+          <p:cNvPr id="4" name="图片 3"/>
+          <p:cNvPicPr>
+            <a:picLocks noChangeAspect="1"/>
+          </p:cNvPicPr>
+          <p:nvPr>
+            <p:custDataLst>
+              <p:tags r:id="rId3"/>
+            </p:custDataLst>
+          </p:nvPr>
+        </p:nvPicPr>
+        <p:blipFill>
+          <a:blip r:embed="rId4"/>
+          <a:stretch>
+            <a:fillRect/>
+          </a:stretch>
+        </p:blipFill>
+        <p:spPr>
+          <a:xfrm>
+            <a:off x="0" y="1137285"/>
+            <a:ext cx="5057360" cy="5400000"/>
+          </a:xfrm>
+          <a:prstGeom prst="rect">
+            <a:avLst/>
+          </a:prstGeom>
+        </p:spPr>
+      </p:pic>
+      <p:graphicFrame>
+        <p:nvGraphicFramePr>
+          <p:cNvPr id="6" name="对象 5"/>
+          <p:cNvGraphicFramePr>
+            <a:graphicFrameLocks noChangeAspect="1"/>
+          </p:cNvGraphicFramePr>
+          <p:nvPr>
+            <p:custDataLst>
+              <p:tags r:id="rId5"/>
+            </p:custDataLst>
+          </p:nvPr>
+        </p:nvGraphicFramePr>
+        <p:xfrm>
+          <a:off x="5927725" y="739140"/>
+          <a:ext cx="1513205" cy="5745480"/>
+        </p:xfrm>
+        <a:graphic>
+          <a:graphicData uri="http://schemas.openxmlformats.org/presentationml/2006/ole">
+            <mc:AlternateContent xmlns:mc="http://schemas.openxmlformats.org/markup-compatibility/2006">
+              <mc:Choice xmlns:v="urn:schemas-microsoft-com:vml" Requires="v">
+                <p:oleObj spid="_x0000_s8" name="" r:id="rId6" imgW="914400" imgH="3465195" progId="ChemDraw.Document.6.0">
+                  <p:embed/>
+                </p:oleObj>
+              </mc:Choice>
+              <mc:Fallback>
+                <p:oleObj name="" r:id="rId6" imgW="914400" imgH="3465195" progId="ChemDraw.Document.6.0">
+                  <p:embed/>
+                  <p:pic>
+                    <p:nvPicPr>
+                      <p:cNvPr id="0" name="图片 7"/>
+                      <p:cNvPicPr/>
+                      <p:nvPr/>
+                    </p:nvPicPr>
+                    <p:blipFill>
+                      <a:blip r:embed="rId7"/>
+                      <a:stretch>
+                        <a:fillRect/>
+                      </a:stretch>
+                    </p:blipFill>
+                    <p:spPr>
+                      <a:xfrm>
+                        <a:off x="5927725" y="739140"/>
+                        <a:ext cx="1513205" cy="5745480"/>
+                      </a:xfrm>
+                      <a:prstGeom prst="rect">
+                        <a:avLst/>
+                      </a:prstGeom>
+                    </p:spPr>
+                  </p:pic>
+                </p:oleObj>
+              </mc:Fallback>
+            </mc:AlternateContent>
+          </a:graphicData>
+        </a:graphic>
+      </p:graphicFrame>
+      <p:cxnSp>
+        <p:nvCxnSpPr>
+          <p:cNvPr id="12" name="直接箭头连接符 11"/>
+          <p:cNvCxnSpPr>
+            <a:endCxn id="4" idx="3"/>
+          </p:cNvCxnSpPr>
+          <p:nvPr/>
+        </p:nvCxnSpPr>
+        <p:spPr>
+          <a:xfrm flipH="1" flipV="1">
+            <a:off x="5057140" y="3837305"/>
+            <a:ext cx="909955" cy="1162050"/>
+          </a:xfrm>
+          <a:prstGeom prst="straightConnector1">
+            <a:avLst/>
+          </a:prstGeom>
+          <a:ln w="38100">
+            <a:solidFill>
+              <a:schemeClr val="accent1">
+                <a:lumMod val="75000"/>
+              </a:schemeClr>
+            </a:solidFill>
+            <a:tailEnd type="arrow"/>
+          </a:ln>
+        </p:spPr>
+        <p:style>
+          <a:lnRef idx="2">
+            <a:schemeClr val="accent1"/>
+          </a:lnRef>
+          <a:fillRef idx="0">
+            <a:srgbClr val="FFFFFF"/>
+          </a:fillRef>
+          <a:effectRef idx="0">
+            <a:srgbClr val="FFFFFF"/>
+          </a:effectRef>
+          <a:fontRef idx="minor">
+            <a:schemeClr val="tx1"/>
+          </a:fontRef>
+        </p:style>
+      </p:cxnSp>
+    </p:spTree>
+  </p:cSld>
+  <p:clrMapOvr>
+    <a:masterClrMapping/>
+  </p:clrMapOvr>
+</p:sld>
+</file>
+
+<file path=ppt/slides/slide11.xml><?xml version="1.0" encoding="utf-8"?>
+<p:sld xmlns:a="http://schemas.openxmlformats.org/drawingml/2006/main" xmlns:r="http://schemas.openxmlformats.org/officeDocument/2006/relationships" xmlns:p="http://schemas.openxmlformats.org/presentationml/2006/main">
+  <p:cSld>
+    <p:spTree>
+      <p:nvGrpSpPr>
+        <p:cNvPr id="1" name=""/>
+        <p:cNvGrpSpPr/>
+        <p:nvPr/>
+      </p:nvGrpSpPr>
+      <p:grpSpPr/>
+      <p:sp>
+        <p:nvSpPr>
+          <p:cNvPr id="5" name="矩形 4"/>
+          <p:cNvSpPr/>
+          <p:nvPr/>
+        </p:nvSpPr>
+        <p:spPr>
+          <a:xfrm>
+            <a:off x="0" y="6537325"/>
+            <a:ext cx="12200890" cy="349250"/>
+          </a:xfrm>
+          <a:prstGeom prst="rect">
+            <a:avLst/>
+          </a:prstGeom>
+          <a:solidFill>
+            <a:srgbClr val="B27FD9"/>
+          </a:solidFill>
+          <a:ln>
+            <a:solidFill>
+              <a:schemeClr val="accent1">
+                <a:lumMod val="40000"/>
+                <a:lumOff val="60000"/>
+              </a:schemeClr>
+            </a:solidFill>
+          </a:ln>
+        </p:spPr>
+        <p:style>
+          <a:lnRef idx="2">
+            <a:schemeClr val="accent1">
+              <a:lumMod val="75000"/>
+            </a:schemeClr>
+          </a:lnRef>
+          <a:fillRef idx="1">
+            <a:schemeClr val="accent1"/>
+          </a:fillRef>
+          <a:effectRef idx="0">
+            <a:srgbClr val="FFFFFF"/>
+          </a:effectRef>
+          <a:fontRef idx="minor">
+            <a:schemeClr val="lt1"/>
+          </a:fontRef>
+        </p:style>
+        <p:txBody>
+          <a:bodyPr rtlCol="0" anchor="ctr"/>
+          <a:p>
+            <a:pPr algn="ctr"/>
+            <a:endParaRPr lang="zh-CN" altLang="en-US"/>
+          </a:p>
+        </p:txBody>
+      </p:sp>
+      <p:sp>
+        <p:nvSpPr>
+          <p:cNvPr id="7" name="文本框 6"/>
+          <p:cNvSpPr txBox="1"/>
+          <p:nvPr/>
+        </p:nvSpPr>
+        <p:spPr>
+          <a:xfrm>
+            <a:off x="0" y="6537325"/>
+            <a:ext cx="1619885" cy="349250"/>
+          </a:xfrm>
+          <a:prstGeom prst="rect">
+            <a:avLst/>
+          </a:prstGeom>
+          <a:noFill/>
+        </p:spPr>
+        <p:txBody>
+          <a:bodyPr wrap="square" rtlCol="0">
+            <a:noAutofit/>
+          </a:bodyPr>
+          <a:p>
+            <a:pPr algn="ctr"/>
+            <a:r>
+              <a:rPr lang="en-US" altLang="zh-CN">
+                <a:solidFill>
+                  <a:schemeClr val="bg1"/>
+                </a:solidFill>
+                <a:latin typeface="Times New Roman" panose="02020603050405020304" charset="0"/>
+                <a:cs typeface="Times New Roman" panose="02020603050405020304" charset="0"/>
+              </a:rPr>
+              <a:t>Iron-NAT</a:t>
+            </a:r>
+            <a:endParaRPr lang="en-US" altLang="zh-CN">
+              <a:solidFill>
+                <a:schemeClr val="bg1"/>
+              </a:solidFill>
+              <a:latin typeface="Times New Roman" panose="02020603050405020304" charset="0"/>
+              <a:cs typeface="Times New Roman" panose="02020603050405020304" charset="0"/>
+            </a:endParaRPr>
+          </a:p>
+        </p:txBody>
+      </p:sp>
+      <p:sp>
+        <p:nvSpPr>
+          <p:cNvPr id="10" name="日期占位符 9"/>
+          <p:cNvSpPr>
+            <a:spLocks noGrp="1"/>
+          </p:cNvSpPr>
+          <p:nvPr>
+            <p:ph type="dt" sz="half" idx="10"/>
+          </p:nvPr>
+        </p:nvSpPr>
+        <p:spPr>
+          <a:xfrm>
+            <a:off x="10585450" y="6537325"/>
+            <a:ext cx="1615440" cy="349250"/>
+          </a:xfrm>
+        </p:spPr>
+        <p:txBody>
+          <a:bodyPr/>
+          <a:p>
+            <a:fld id="{D997B5FA-0921-464F-AAE1-844C04324D75}" type="datetime1">
+              <a:rPr lang="en-US" altLang="en-US" sz="1600" smtClean="0">
+                <a:solidFill>
+                  <a:schemeClr val="bg1"/>
+                </a:solidFill>
+                <a:latin typeface="Times New Roman" panose="02020603050405020304" charset="0"/>
+                <a:cs typeface="Times New Roman" panose="02020603050405020304" charset="0"/>
+              </a:rPr>
+            </a:fld>
+            <a:endParaRPr lang="en-US" altLang="en-US" sz="1600" smtClean="0">
+              <a:solidFill>
+                <a:schemeClr val="bg1"/>
+              </a:solidFill>
+              <a:latin typeface="Times New Roman" panose="02020603050405020304" charset="0"/>
+              <a:cs typeface="Times New Roman" panose="02020603050405020304" charset="0"/>
+            </a:endParaRPr>
+          </a:p>
+        </p:txBody>
+      </p:sp>
+      <p:sp>
+        <p:nvSpPr>
+          <p:cNvPr id="11" name="页脚占位符 10"/>
+          <p:cNvSpPr>
+            <a:spLocks noGrp="1"/>
+          </p:cNvSpPr>
+          <p:nvPr>
+            <p:ph type="ftr" sz="quarter" idx="11"/>
+          </p:nvPr>
+        </p:nvSpPr>
+        <p:spPr>
+          <a:xfrm>
+            <a:off x="4043045" y="6537325"/>
+            <a:ext cx="4119880" cy="349250"/>
+          </a:xfrm>
+        </p:spPr>
+        <p:txBody>
+          <a:bodyPr/>
+          <a:p>
+            <a:r>
+              <a:rPr lang="zh-CN" altLang="en-US" sz="1600">
+                <a:solidFill>
+                  <a:schemeClr val="bg1"/>
+                </a:solidFill>
+                <a:latin typeface="Times New Roman" panose="02020603050405020304" charset="0"/>
+                <a:cs typeface="Times New Roman" panose="02020603050405020304" charset="0"/>
+              </a:rPr>
+              <a:t>CCATS Group(Brandeis)</a:t>
+            </a:r>
+            <a:endParaRPr lang="zh-CN" altLang="en-US" sz="1600">
+              <a:solidFill>
+                <a:schemeClr val="bg1"/>
+              </a:solidFill>
+              <a:latin typeface="Times New Roman" panose="02020603050405020304" charset="0"/>
+              <a:cs typeface="Times New Roman" panose="02020603050405020304" charset="0"/>
+            </a:endParaRPr>
+          </a:p>
+        </p:txBody>
+      </p:sp>
+      <p:sp>
+        <p:nvSpPr>
+          <p:cNvPr id="9" name="文本框 8"/>
+          <p:cNvSpPr txBox="1"/>
+          <p:nvPr/>
+        </p:nvSpPr>
+        <p:spPr>
+          <a:xfrm>
+            <a:off x="102870" y="548005"/>
+            <a:ext cx="12217400" cy="377825"/>
+          </a:xfrm>
+          <a:prstGeom prst="rect">
+            <a:avLst/>
+          </a:prstGeom>
+          <a:noFill/>
+        </p:spPr>
+        <p:txBody>
+          <a:bodyPr wrap="square" rtlCol="0" anchor="t">
+            <a:noAutofit/>
+          </a:bodyPr>
+          <a:p>
+            <a:pPr algn="r"/>
+            <a:r>
+              <a:rPr lang="zh-CN" altLang="en-US">
+                <a:latin typeface="Times New Roman" panose="02020603050405020304" charset="0"/>
+                <a:cs typeface="Times New Roman" panose="02020603050405020304" charset="0"/>
+              </a:rPr>
+              <a:t>opt/freq at ωB97X-D/6-31G* level</a:t>
+            </a:r>
+            <a:r>
+              <a:rPr lang="en-US" altLang="zh-CN">
+                <a:latin typeface="Times New Roman" panose="02020603050405020304" charset="0"/>
+                <a:cs typeface="Times New Roman" panose="02020603050405020304" charset="0"/>
+              </a:rPr>
+              <a:t>, gas phase</a:t>
+            </a:r>
+            <a:endParaRPr lang="en-US" altLang="zh-CN">
+              <a:latin typeface="Times New Roman" panose="02020603050405020304" charset="0"/>
+              <a:cs typeface="Times New Roman" panose="02020603050405020304" charset="0"/>
+            </a:endParaRPr>
+          </a:p>
+        </p:txBody>
+      </p:sp>
+      <p:sp>
+        <p:nvSpPr>
+          <p:cNvPr id="15" name="文本框 14"/>
+          <p:cNvSpPr txBox="1"/>
+          <p:nvPr>
+            <p:custDataLst>
+              <p:tags r:id="rId1"/>
+            </p:custDataLst>
+          </p:nvPr>
+        </p:nvSpPr>
+        <p:spPr>
+          <a:xfrm>
+            <a:off x="-6350" y="39370"/>
+            <a:ext cx="12207240" cy="587375"/>
+          </a:xfrm>
+          <a:prstGeom prst="rect">
+            <a:avLst/>
+          </a:prstGeom>
+          <a:noFill/>
+        </p:spPr>
+        <p:txBody>
+          <a:bodyPr wrap="square" rtlCol="0">
+            <a:noAutofit/>
+          </a:bodyPr>
+          <a:p>
+            <a:pPr algn="ctr"/>
+            <a:r>
+              <a:rPr lang="en-US" altLang="zh-CN" sz="2800" b="1">
+                <a:solidFill>
+                  <a:schemeClr val="accent1">
+                    <a:lumMod val="75000"/>
+                  </a:schemeClr>
+                </a:solidFill>
+                <a:latin typeface="Times New Roman" panose="02020603050405020304" charset="0"/>
+                <a:cs typeface="Times New Roman" panose="02020603050405020304" charset="0"/>
+              </a:rPr>
+              <a:t>Step I: Conformation of Int 2</a:t>
+            </a:r>
+            <a:endParaRPr lang="en-US" altLang="zh-CN" sz="2800" b="1">
+              <a:solidFill>
+                <a:schemeClr val="accent1">
+                  <a:lumMod val="75000"/>
+                </a:schemeClr>
+              </a:solidFill>
+              <a:latin typeface="Times New Roman" panose="02020603050405020304" charset="0"/>
+              <a:cs typeface="Times New Roman" panose="02020603050405020304" charset="0"/>
+            </a:endParaRPr>
+          </a:p>
+        </p:txBody>
+      </p:sp>
+      <p:cxnSp>
+        <p:nvCxnSpPr>
+          <p:cNvPr id="16" name="直接连接符 15"/>
+          <p:cNvCxnSpPr/>
+          <p:nvPr>
+            <p:custDataLst>
+              <p:tags r:id="rId2"/>
+            </p:custDataLst>
+          </p:nvPr>
+        </p:nvCxnSpPr>
+        <p:spPr>
+          <a:xfrm flipV="1">
+            <a:off x="-6350" y="563245"/>
+            <a:ext cx="12192000" cy="30480"/>
+          </a:xfrm>
+          <a:prstGeom prst="line">
+            <a:avLst/>
+          </a:prstGeom>
+          <a:ln w="50800">
+            <a:solidFill>
+              <a:schemeClr val="accent1">
+                <a:lumMod val="60000"/>
+                <a:lumOff val="40000"/>
+              </a:schemeClr>
+            </a:solidFill>
+          </a:ln>
+        </p:spPr>
+        <p:style>
+          <a:lnRef idx="2">
+            <a:schemeClr val="accent1"/>
+          </a:lnRef>
+          <a:fillRef idx="0">
+            <a:srgbClr val="FFFFFF"/>
+          </a:fillRef>
+          <a:effectRef idx="0">
+            <a:srgbClr val="FFFFFF"/>
+          </a:effectRef>
+          <a:fontRef idx="minor">
+            <a:schemeClr val="tx1"/>
+          </a:fontRef>
+        </p:style>
+      </p:cxnSp>
+    </p:spTree>
+  </p:cSld>
+  <p:clrMapOvr>
+    <a:masterClrMapping/>
+  </p:clrMapOvr>
+</p:sld>
+</file>
+
 <file path=ppt/slides/slide2.xml><?xml version="1.0" encoding="utf-8"?>
 <p:sld xmlns:a="http://schemas.openxmlformats.org/drawingml/2006/main" xmlns:r="http://schemas.openxmlformats.org/officeDocument/2006/relationships" xmlns:p="http://schemas.openxmlformats.org/presentationml/2006/main">
   <p:cSld>
@@ -7955,49 +8724,142 @@
           </a:fontRef>
         </p:style>
       </p:cxnSp>
+      <p:sp>
+        <p:nvSpPr>
+          <p:cNvPr id="4" name="文本框 3"/>
+          <p:cNvSpPr txBox="1"/>
+          <p:nvPr>
+            <p:custDataLst>
+              <p:tags r:id="rId3"/>
+            </p:custDataLst>
+          </p:nvPr>
+        </p:nvSpPr>
+        <p:spPr>
+          <a:xfrm>
+            <a:off x="0" y="563245"/>
+            <a:ext cx="12217400" cy="377825"/>
+          </a:xfrm>
+          <a:prstGeom prst="rect">
+            <a:avLst/>
+          </a:prstGeom>
+          <a:noFill/>
+        </p:spPr>
+        <p:txBody>
+          <a:bodyPr wrap="square" rtlCol="0" anchor="t">
+            <a:noAutofit/>
+          </a:bodyPr>
+          <a:p>
+            <a:pPr algn="r"/>
+            <a:r>
+              <a:rPr lang="zh-CN" altLang="en-US">
+                <a:latin typeface="Times New Roman" panose="02020603050405020304" charset="0"/>
+                <a:cs typeface="Times New Roman" panose="02020603050405020304" charset="0"/>
+              </a:rPr>
+              <a:t>opt/freq at ωB97X-D/6-31G* level</a:t>
+            </a:r>
+            <a:r>
+              <a:rPr lang="en-US" altLang="zh-CN">
+                <a:latin typeface="Times New Roman" panose="02020603050405020304" charset="0"/>
+                <a:cs typeface="Times New Roman" panose="02020603050405020304" charset="0"/>
+              </a:rPr>
+              <a:t>, gas phase</a:t>
+            </a:r>
+            <a:endParaRPr lang="en-US" altLang="zh-CN">
+              <a:latin typeface="Times New Roman" panose="02020603050405020304" charset="0"/>
+              <a:cs typeface="Times New Roman" panose="02020603050405020304" charset="0"/>
+            </a:endParaRPr>
+          </a:p>
+        </p:txBody>
+      </p:sp>
+      <p:sp>
+        <p:nvSpPr>
+          <p:cNvPr id="26" name="文本框 25"/>
+          <p:cNvSpPr txBox="1"/>
+          <p:nvPr>
+            <p:custDataLst>
+              <p:tags r:id="rId4"/>
+            </p:custDataLst>
+          </p:nvPr>
+        </p:nvSpPr>
+        <p:spPr>
+          <a:xfrm>
+            <a:off x="1175385" y="4743450"/>
+            <a:ext cx="5852795" cy="1332865"/>
+          </a:xfrm>
+          <a:prstGeom prst="rect">
+            <a:avLst/>
+          </a:prstGeom>
+          <a:noFill/>
+        </p:spPr>
+        <p:txBody>
+          <a:bodyPr wrap="square" rtlCol="0">
+            <a:noAutofit/>
+          </a:bodyPr>
+          <a:p>
+            <a:pPr algn="ctr"/>
+            <a:r>
+              <a:rPr lang="en-US" altLang="zh-CN" sz="2400">
+                <a:solidFill>
+                  <a:schemeClr val="tx1"/>
+                </a:solidFill>
+                <a:latin typeface="Times New Roman" panose="02020603050405020304" charset="0"/>
+                <a:cs typeface="Times New Roman" panose="02020603050405020304" charset="0"/>
+              </a:rPr>
+              <a:t>The most possible 3 structrues within 20 kcal/mol restriction</a:t>
+            </a:r>
+            <a:endParaRPr lang="en-US" altLang="zh-CN" sz="2400">
+              <a:solidFill>
+                <a:schemeClr val="tx1"/>
+              </a:solidFill>
+              <a:latin typeface="Times New Roman" panose="02020603050405020304" charset="0"/>
+              <a:cs typeface="Times New Roman" panose="02020603050405020304" charset="0"/>
+            </a:endParaRPr>
+          </a:p>
+        </p:txBody>
+      </p:sp>
       <p:graphicFrame>
         <p:nvGraphicFramePr>
-          <p:cNvPr id="2" name="对象 1"/>
+          <p:cNvPr id="6" name="对象 5"/>
           <p:cNvGraphicFramePr>
             <a:graphicFrameLocks noChangeAspect="1"/>
           </p:cNvGraphicFramePr>
           <p:nvPr>
             <p:custDataLst>
-              <p:tags r:id="rId3"/>
+              <p:tags r:id="rId5"/>
             </p:custDataLst>
           </p:nvPr>
         </p:nvGraphicFramePr>
         <p:xfrm>
-          <a:off x="1192530" y="1053465"/>
-          <a:ext cx="5835650" cy="3577590"/>
+          <a:off x="8420100" y="941070"/>
+          <a:ext cx="3783965" cy="5581650"/>
         </p:xfrm>
         <a:graphic>
           <a:graphicData uri="http://schemas.openxmlformats.org/presentationml/2006/ole">
             <mc:AlternateContent xmlns:mc="http://schemas.openxmlformats.org/markup-compatibility/2006">
               <mc:Choice xmlns:v="urn:schemas-microsoft-com:vml" Requires="v">
-                <p:oleObj spid="_x0000_s3" name="" r:id="rId4" imgW="3209290" imgH="1968500" progId="ChemDraw.Document.6.0">
+                <p:oleObj spid="_x0000_s8" name="" r:id="rId6" imgW="2719705" imgH="4012565" progId="ChemDraw.Document.6.0">
                   <p:embed/>
                 </p:oleObj>
               </mc:Choice>
               <mc:Fallback>
-                <p:oleObj name="" r:id="rId4" imgW="3209290" imgH="1968500" progId="ChemDraw.Document.6.0">
+                <p:oleObj name="" r:id="rId6" imgW="2719705" imgH="4012565" progId="ChemDraw.Document.6.0">
                   <p:embed/>
                   <p:pic>
                     <p:nvPicPr>
-                      <p:cNvPr id="0" name="图片 2"/>
+                      <p:cNvPr id="0" name="图片 7"/>
                       <p:cNvPicPr/>
                       <p:nvPr/>
                     </p:nvPicPr>
                     <p:blipFill>
-                      <a:blip r:embed="rId5"/>
+                      <a:blip r:embed="rId7"/>
                       <a:stretch>
                         <a:fillRect/>
                       </a:stretch>
                     </p:blipFill>
                     <p:spPr>
                       <a:xfrm>
-                        <a:off x="1192530" y="1053465"/>
-                        <a:ext cx="5835650" cy="3577590"/>
+                        <a:off x="8420100" y="941070"/>
+                        <a:ext cx="3783965" cy="5581650"/>
                       </a:xfrm>
                       <a:prstGeom prst="rect">
                         <a:avLst/>
@@ -8010,102 +8872,9 @@
           </a:graphicData>
         </a:graphic>
       </p:graphicFrame>
-      <p:sp>
-        <p:nvSpPr>
-          <p:cNvPr id="4" name="文本框 3"/>
-          <p:cNvSpPr txBox="1"/>
-          <p:nvPr>
-            <p:custDataLst>
-              <p:tags r:id="rId6"/>
-            </p:custDataLst>
-          </p:nvPr>
-        </p:nvSpPr>
-        <p:spPr>
-          <a:xfrm>
-            <a:off x="0" y="563245"/>
-            <a:ext cx="12217400" cy="377825"/>
-          </a:xfrm>
-          <a:prstGeom prst="rect">
-            <a:avLst/>
-          </a:prstGeom>
-          <a:noFill/>
-        </p:spPr>
-        <p:txBody>
-          <a:bodyPr wrap="square" rtlCol="0" anchor="t">
-            <a:noAutofit/>
-          </a:bodyPr>
-          <a:p>
-            <a:pPr algn="r"/>
-            <a:r>
-              <a:rPr lang="zh-CN" altLang="en-US">
-                <a:latin typeface="Times New Roman" panose="02020603050405020304" charset="0"/>
-                <a:cs typeface="Times New Roman" panose="02020603050405020304" charset="0"/>
-              </a:rPr>
-              <a:t>opt/freq at ωB97X-D/6-31G* level</a:t>
-            </a:r>
-            <a:r>
-              <a:rPr lang="en-US" altLang="zh-CN">
-                <a:latin typeface="Times New Roman" panose="02020603050405020304" charset="0"/>
-                <a:cs typeface="Times New Roman" panose="02020603050405020304" charset="0"/>
-              </a:rPr>
-              <a:t>, gas phase</a:t>
-            </a:r>
-            <a:endParaRPr lang="en-US" altLang="zh-CN">
-              <a:latin typeface="Times New Roman" panose="02020603050405020304" charset="0"/>
-              <a:cs typeface="Times New Roman" panose="02020603050405020304" charset="0"/>
-            </a:endParaRPr>
-          </a:p>
-        </p:txBody>
-      </p:sp>
-      <p:sp>
-        <p:nvSpPr>
-          <p:cNvPr id="26" name="文本框 25"/>
-          <p:cNvSpPr txBox="1"/>
-          <p:nvPr>
-            <p:custDataLst>
-              <p:tags r:id="rId7"/>
-            </p:custDataLst>
-          </p:nvPr>
-        </p:nvSpPr>
-        <p:spPr>
-          <a:xfrm>
-            <a:off x="1175385" y="4743450"/>
-            <a:ext cx="5852795" cy="1332865"/>
-          </a:xfrm>
-          <a:prstGeom prst="rect">
-            <a:avLst/>
-          </a:prstGeom>
-          <a:noFill/>
-        </p:spPr>
-        <p:txBody>
-          <a:bodyPr wrap="square" rtlCol="0">
-            <a:noAutofit/>
-          </a:bodyPr>
-          <a:p>
-            <a:pPr algn="ctr"/>
-            <a:r>
-              <a:rPr lang="en-US" altLang="zh-CN" sz="2400">
-                <a:solidFill>
-                  <a:schemeClr val="tx1"/>
-                </a:solidFill>
-                <a:latin typeface="Times New Roman" panose="02020603050405020304" charset="0"/>
-                <a:cs typeface="Times New Roman" panose="02020603050405020304" charset="0"/>
-              </a:rPr>
-              <a:t>The most possible 3 structrues within 20 kcal/mol restriction</a:t>
-            </a:r>
-            <a:endParaRPr lang="en-US" altLang="zh-CN" sz="2400">
-              <a:solidFill>
-                <a:schemeClr val="tx1"/>
-              </a:solidFill>
-              <a:latin typeface="Times New Roman" panose="02020603050405020304" charset="0"/>
-              <a:cs typeface="Times New Roman" panose="02020603050405020304" charset="0"/>
-            </a:endParaRPr>
-          </a:p>
-        </p:txBody>
-      </p:sp>
       <p:graphicFrame>
         <p:nvGraphicFramePr>
-          <p:cNvPr id="6" name="对象 5"/>
+          <p:cNvPr id="9" name="对象 8"/>
           <p:cNvGraphicFramePr>
             <a:graphicFrameLocks noChangeAspect="1"/>
           </p:cNvGraphicFramePr>
@@ -8116,23 +8885,23 @@
           </p:nvPr>
         </p:nvGraphicFramePr>
         <p:xfrm>
-          <a:off x="8420100" y="941070"/>
-          <a:ext cx="3783965" cy="5581650"/>
+          <a:off x="993140" y="855980"/>
+          <a:ext cx="6341110" cy="3887470"/>
         </p:xfrm>
         <a:graphic>
           <a:graphicData uri="http://schemas.openxmlformats.org/presentationml/2006/ole">
             <mc:AlternateContent xmlns:mc="http://schemas.openxmlformats.org/markup-compatibility/2006">
               <mc:Choice xmlns:v="urn:schemas-microsoft-com:vml" Requires="v">
-                <p:oleObj spid="_x0000_s8" name="" r:id="rId9" imgW="2719705" imgH="4012565" progId="ChemDraw.Document.6.0">
+                <p:oleObj spid="_x0000_s12" name="" r:id="rId9" imgW="3209290" imgH="1968500" progId="ChemDraw.Document.6.0">
                   <p:embed/>
                 </p:oleObj>
               </mc:Choice>
               <mc:Fallback>
-                <p:oleObj name="" r:id="rId9" imgW="2719705" imgH="4012565" progId="ChemDraw.Document.6.0">
+                <p:oleObj name="" r:id="rId9" imgW="3209290" imgH="1968500" progId="ChemDraw.Document.6.0">
                   <p:embed/>
                   <p:pic>
                     <p:nvPicPr>
-                      <p:cNvPr id="0" name="图片 7"/>
+                      <p:cNvPr id="0" name="图片 11"/>
                       <p:cNvPicPr/>
                       <p:nvPr/>
                     </p:nvPicPr>
@@ -8144,8 +8913,8 @@
                     </p:blipFill>
                     <p:spPr>
                       <a:xfrm>
-                        <a:off x="8420100" y="941070"/>
-                        <a:ext cx="3783965" cy="5581650"/>
+                        <a:off x="993140" y="855980"/>
+                        <a:ext cx="6341110" cy="3887470"/>
                       </a:xfrm>
                       <a:prstGeom prst="rect">
                         <a:avLst/>
@@ -11061,6 +11830,42 @@
 </file>
 
 <file path=ppt/tags/tag51.xml><?xml version="1.0" encoding="utf-8"?>
+<p:tagLst xmlns:p="http://schemas.openxmlformats.org/presentationml/2006/main">
+  <p:tag name="KSO_WM_BEAUTIFY_FLAG" val=""/>
+</p:tagLst>
+</file>
+
+<file path=ppt/tags/tag52.xml><?xml version="1.0" encoding="utf-8"?>
+<p:tagLst xmlns:p="http://schemas.openxmlformats.org/presentationml/2006/main">
+  <p:tag name="KSO_WM_BEAUTIFY_FLAG" val=""/>
+</p:tagLst>
+</file>
+
+<file path=ppt/tags/tag53.xml><?xml version="1.0" encoding="utf-8"?>
+<p:tagLst xmlns:p="http://schemas.openxmlformats.org/presentationml/2006/main">
+  <p:tag name="KSO_WM_BEAUTIFY_FLAG" val=""/>
+</p:tagLst>
+</file>
+
+<file path=ppt/tags/tag54.xml><?xml version="1.0" encoding="utf-8"?>
+<p:tagLst xmlns:p="http://schemas.openxmlformats.org/presentationml/2006/main">
+  <p:tag name="KSO_WM_BEAUTIFY_FLAG" val=""/>
+</p:tagLst>
+</file>
+
+<file path=ppt/tags/tag55.xml><?xml version="1.0" encoding="utf-8"?>
+<p:tagLst xmlns:p="http://schemas.openxmlformats.org/presentationml/2006/main">
+  <p:tag name="KSO_WM_BEAUTIFY_FLAG" val=""/>
+</p:tagLst>
+</file>
+
+<file path=ppt/tags/tag56.xml><?xml version="1.0" encoding="utf-8"?>
+<p:tagLst xmlns:p="http://schemas.openxmlformats.org/presentationml/2006/main">
+  <p:tag name="KSO_WM_BEAUTIFY_FLAG" val=""/>
+</p:tagLst>
+</file>
+
+<file path=ppt/tags/tag57.xml><?xml version="1.0" encoding="utf-8"?>
 <p:tagLst xmlns:p="http://schemas.openxmlformats.org/presentationml/2006/main">
   <p:tag name="commondata" val="eyJoZGlkIjoiMzcyODMxYTE0ZTc0ZGU3Y2QwODc3MzYzN2Q1YmNiM2EifQ=="/>
 </p:tagLst>
